--- a/C#/Presentation1.pptx
+++ b/C#/Presentation1.pptx
@@ -5,11 +5,17 @@
     <p:sldMasterId id="2147483648" r:id="rId1"/>
   </p:sldMasterIdLst>
   <p:notesMasterIdLst>
-    <p:notesMasterId r:id="rId4"/>
+    <p:notesMasterId r:id="rId10"/>
   </p:notesMasterIdLst>
   <p:sldIdLst>
     <p:sldId id="256" r:id="rId2"/>
     <p:sldId id="257" r:id="rId3"/>
+    <p:sldId id="260" r:id="rId4"/>
+    <p:sldId id="259" r:id="rId5"/>
+    <p:sldId id="258" r:id="rId6"/>
+    <p:sldId id="261" r:id="rId7"/>
+    <p:sldId id="262" r:id="rId8"/>
+    <p:sldId id="263" r:id="rId9"/>
   </p:sldIdLst>
   <p:sldSz cx="12192000" cy="6858000"/>
   <p:notesSz cx="6858000" cy="9144000"/>
@@ -108,6 +114,11 @@
       </a:defRPr>
     </a:lvl9pPr>
   </p:defaultTextStyle>
+  <p:extLst>
+    <p:ext uri="{EFAFB233-063F-42B5-8137-9DF3F51BA10A}">
+      <p15:sldGuideLst xmlns:p15="http://schemas.microsoft.com/office/powerpoint/2012/main"/>
+    </p:ext>
+  </p:extLst>
 </p:presentation>
 </file>
 
@@ -193,7 +204,7 @@
           <a:p>
             <a:fld id="{A86E74C5-BF6A-42C9-83BF-E5FA25D108FC}" type="datetimeFigureOut">
               <a:rPr lang="en-US" smtClean="0"/>
-              <a:t>1/13/2025</a:t>
+              <a:t>1/14/2025</a:t>
             </a:fld>
             <a:endParaRPr lang="en-US"/>
           </a:p>
@@ -1939,6 +1950,307 @@
 </p:notes>
 </file>
 
+<file path=ppt/notesSlides/notesSlide3.xml><?xml version="1.0" encoding="utf-8"?>
+<p:notes xmlns:a="http://schemas.openxmlformats.org/drawingml/2006/main" xmlns:r="http://schemas.openxmlformats.org/officeDocument/2006/relationships" xmlns:p="http://schemas.openxmlformats.org/presentationml/2006/main">
+  <p:cSld>
+    <p:spTree>
+      <p:nvGrpSpPr>
+        <p:cNvPr id="1" name=""/>
+        <p:cNvGrpSpPr/>
+        <p:nvPr/>
+      </p:nvGrpSpPr>
+      <p:grpSpPr>
+        <a:xfrm>
+          <a:off x="0" y="0"/>
+          <a:ext cx="0" cy="0"/>
+          <a:chOff x="0" y="0"/>
+          <a:chExt cx="0" cy="0"/>
+        </a:xfrm>
+      </p:grpSpPr>
+      <p:sp>
+        <p:nvSpPr>
+          <p:cNvPr id="2" name="Slide Image Placeholder 1"/>
+          <p:cNvSpPr>
+            <a:spLocks noGrp="1" noRot="1" noChangeAspect="1"/>
+          </p:cNvSpPr>
+          <p:nvPr>
+            <p:ph type="sldImg"/>
+          </p:nvPr>
+        </p:nvSpPr>
+        <p:spPr/>
+      </p:sp>
+      <p:sp>
+        <p:nvSpPr>
+          <p:cNvPr id="3" name="Notes Placeholder 2"/>
+          <p:cNvSpPr>
+            <a:spLocks noGrp="1"/>
+          </p:cNvSpPr>
+          <p:nvPr>
+            <p:ph type="body" idx="1"/>
+          </p:nvPr>
+        </p:nvSpPr>
+        <p:spPr/>
+        <p:txBody>
+          <a:bodyPr/>
+          <a:lstStyle/>
+          <a:p>
+            <a:pPr marL="0" marR="0" lvl="0" indent="0" algn="l" defTabSz="914400" rtl="0" eaLnBrk="1" fontAlgn="auto" latinLnBrk="0" hangingPunct="1">
+              <a:lnSpc>
+                <a:spcPct val="100000"/>
+              </a:lnSpc>
+              <a:spcBef>
+                <a:spcPts val="0"/>
+              </a:spcBef>
+              <a:spcAft>
+                <a:spcPts val="0"/>
+              </a:spcAft>
+              <a:buClrTx/>
+              <a:buSzTx/>
+              <a:buFontTx/>
+              <a:buNone/>
+              <a:tabLst/>
+              <a:defRPr/>
+            </a:pPr>
+            <a:r>
+              <a:rPr lang="en-US" dirty="0"/>
+              <a:t>What is stack overflow and why does it occur in the context of recursion</a:t>
+            </a:r>
+          </a:p>
+          <a:p>
+            <a:endParaRPr lang="en-SG" dirty="0"/>
+          </a:p>
+          <a:p>
+            <a:pPr marL="0" marR="0" lvl="0" indent="0" algn="l" defTabSz="914400" rtl="0" eaLnBrk="1" fontAlgn="auto" latinLnBrk="0" hangingPunct="1">
+              <a:lnSpc>
+                <a:spcPct val="100000"/>
+              </a:lnSpc>
+              <a:spcBef>
+                <a:spcPts val="0"/>
+              </a:spcBef>
+              <a:spcAft>
+                <a:spcPts val="0"/>
+              </a:spcAft>
+              <a:buClrTx/>
+              <a:buSzTx/>
+              <a:buFontTx/>
+              <a:buNone/>
+              <a:tabLst/>
+              <a:defRPr/>
+            </a:pPr>
+            <a:r>
+              <a:rPr lang="en-US" dirty="0"/>
+              <a:t>In the context of recursion, every recursive function call pushes a new frame (containing function parameters, return address, and local variables) onto the call stack. If the recursion is too deep or if the base case is missing or improperly implemented, the stack becomes full, leading to a stack overflow.</a:t>
+            </a:r>
+          </a:p>
+          <a:p>
+            <a:endParaRPr lang="en-SG" dirty="0"/>
+          </a:p>
+        </p:txBody>
+      </p:sp>
+      <p:sp>
+        <p:nvSpPr>
+          <p:cNvPr id="4" name="Slide Number Placeholder 3"/>
+          <p:cNvSpPr>
+            <a:spLocks noGrp="1"/>
+          </p:cNvSpPr>
+          <p:nvPr>
+            <p:ph type="sldNum" sz="quarter" idx="5"/>
+          </p:nvPr>
+        </p:nvSpPr>
+        <p:spPr/>
+        <p:txBody>
+          <a:bodyPr/>
+          <a:lstStyle/>
+          <a:p>
+            <a:fld id="{483E9F17-9B16-4840-8FC1-D82C3003AB06}" type="slidenum">
+              <a:rPr lang="en-US" smtClean="0"/>
+              <a:t>5</a:t>
+            </a:fld>
+            <a:endParaRPr lang="en-US"/>
+          </a:p>
+        </p:txBody>
+      </p:sp>
+    </p:spTree>
+    <p:extLst>
+      <p:ext uri="{BB962C8B-B14F-4D97-AF65-F5344CB8AC3E}">
+        <p14:creationId xmlns:p14="http://schemas.microsoft.com/office/powerpoint/2010/main" val="781848137"/>
+      </p:ext>
+    </p:extLst>
+  </p:cSld>
+  <p:clrMapOvr>
+    <a:masterClrMapping/>
+  </p:clrMapOvr>
+</p:notes>
+</file>
+
+<file path=ppt/notesSlides/notesSlide4.xml><?xml version="1.0" encoding="utf-8"?>
+<p:notes xmlns:a="http://schemas.openxmlformats.org/drawingml/2006/main" xmlns:r="http://schemas.openxmlformats.org/officeDocument/2006/relationships" xmlns:p="http://schemas.openxmlformats.org/presentationml/2006/main">
+  <p:cSld>
+    <p:spTree>
+      <p:nvGrpSpPr>
+        <p:cNvPr id="1" name=""/>
+        <p:cNvGrpSpPr/>
+        <p:nvPr/>
+      </p:nvGrpSpPr>
+      <p:grpSpPr>
+        <a:xfrm>
+          <a:off x="0" y="0"/>
+          <a:ext cx="0" cy="0"/>
+          <a:chOff x="0" y="0"/>
+          <a:chExt cx="0" cy="0"/>
+        </a:xfrm>
+      </p:grpSpPr>
+      <p:sp>
+        <p:nvSpPr>
+          <p:cNvPr id="2" name="Slide Image Placeholder 1"/>
+          <p:cNvSpPr>
+            <a:spLocks noGrp="1" noRot="1" noChangeAspect="1"/>
+          </p:cNvSpPr>
+          <p:nvPr>
+            <p:ph type="sldImg"/>
+          </p:nvPr>
+        </p:nvSpPr>
+        <p:spPr/>
+      </p:sp>
+      <p:sp>
+        <p:nvSpPr>
+          <p:cNvPr id="3" name="Notes Placeholder 2"/>
+          <p:cNvSpPr>
+            <a:spLocks noGrp="1"/>
+          </p:cNvSpPr>
+          <p:nvPr>
+            <p:ph type="body" idx="1"/>
+          </p:nvPr>
+        </p:nvSpPr>
+        <p:spPr/>
+        <p:txBody>
+          <a:bodyPr/>
+          <a:lstStyle/>
+          <a:p>
+            <a:endParaRPr lang="en-SG" dirty="0"/>
+          </a:p>
+        </p:txBody>
+      </p:sp>
+      <p:sp>
+        <p:nvSpPr>
+          <p:cNvPr id="4" name="Slide Number Placeholder 3"/>
+          <p:cNvSpPr>
+            <a:spLocks noGrp="1"/>
+          </p:cNvSpPr>
+          <p:nvPr>
+            <p:ph type="sldNum" sz="quarter" idx="5"/>
+          </p:nvPr>
+        </p:nvSpPr>
+        <p:spPr/>
+        <p:txBody>
+          <a:bodyPr/>
+          <a:lstStyle/>
+          <a:p>
+            <a:fld id="{483E9F17-9B16-4840-8FC1-D82C3003AB06}" type="slidenum">
+              <a:rPr lang="en-US" smtClean="0"/>
+              <a:t>6</a:t>
+            </a:fld>
+            <a:endParaRPr lang="en-US"/>
+          </a:p>
+        </p:txBody>
+      </p:sp>
+    </p:spTree>
+    <p:extLst>
+      <p:ext uri="{BB962C8B-B14F-4D97-AF65-F5344CB8AC3E}">
+        <p14:creationId xmlns:p14="http://schemas.microsoft.com/office/powerpoint/2010/main" val="3602407539"/>
+      </p:ext>
+    </p:extLst>
+  </p:cSld>
+  <p:clrMapOvr>
+    <a:masterClrMapping/>
+  </p:clrMapOvr>
+</p:notes>
+</file>
+
+<file path=ppt/notesSlides/notesSlide5.xml><?xml version="1.0" encoding="utf-8"?>
+<p:notes xmlns:a="http://schemas.openxmlformats.org/drawingml/2006/main" xmlns:r="http://schemas.openxmlformats.org/officeDocument/2006/relationships" xmlns:p="http://schemas.openxmlformats.org/presentationml/2006/main">
+  <p:cSld>
+    <p:spTree>
+      <p:nvGrpSpPr>
+        <p:cNvPr id="1" name=""/>
+        <p:cNvGrpSpPr/>
+        <p:nvPr/>
+      </p:nvGrpSpPr>
+      <p:grpSpPr>
+        <a:xfrm>
+          <a:off x="0" y="0"/>
+          <a:ext cx="0" cy="0"/>
+          <a:chOff x="0" y="0"/>
+          <a:chExt cx="0" cy="0"/>
+        </a:xfrm>
+      </p:grpSpPr>
+      <p:sp>
+        <p:nvSpPr>
+          <p:cNvPr id="2" name="Slide Image Placeholder 1"/>
+          <p:cNvSpPr>
+            <a:spLocks noGrp="1" noRot="1" noChangeAspect="1"/>
+          </p:cNvSpPr>
+          <p:nvPr>
+            <p:ph type="sldImg"/>
+          </p:nvPr>
+        </p:nvSpPr>
+        <p:spPr/>
+      </p:sp>
+      <p:sp>
+        <p:nvSpPr>
+          <p:cNvPr id="3" name="Notes Placeholder 2"/>
+          <p:cNvSpPr>
+            <a:spLocks noGrp="1"/>
+          </p:cNvSpPr>
+          <p:nvPr>
+            <p:ph type="body" idx="1"/>
+          </p:nvPr>
+        </p:nvSpPr>
+        <p:spPr/>
+        <p:txBody>
+          <a:bodyPr/>
+          <a:lstStyle/>
+          <a:p>
+            <a:endParaRPr lang="en-SG" dirty="0"/>
+          </a:p>
+        </p:txBody>
+      </p:sp>
+      <p:sp>
+        <p:nvSpPr>
+          <p:cNvPr id="4" name="Slide Number Placeholder 3"/>
+          <p:cNvSpPr>
+            <a:spLocks noGrp="1"/>
+          </p:cNvSpPr>
+          <p:nvPr>
+            <p:ph type="sldNum" sz="quarter" idx="5"/>
+          </p:nvPr>
+        </p:nvSpPr>
+        <p:spPr/>
+        <p:txBody>
+          <a:bodyPr/>
+          <a:lstStyle/>
+          <a:p>
+            <a:fld id="{483E9F17-9B16-4840-8FC1-D82C3003AB06}" type="slidenum">
+              <a:rPr lang="en-US" smtClean="0"/>
+              <a:t>7</a:t>
+            </a:fld>
+            <a:endParaRPr lang="en-US"/>
+          </a:p>
+        </p:txBody>
+      </p:sp>
+    </p:spTree>
+    <p:extLst>
+      <p:ext uri="{BB962C8B-B14F-4D97-AF65-F5344CB8AC3E}">
+        <p14:creationId xmlns:p14="http://schemas.microsoft.com/office/powerpoint/2010/main" val="789174309"/>
+      </p:ext>
+    </p:extLst>
+  </p:cSld>
+  <p:clrMapOvr>
+    <a:masterClrMapping/>
+  </p:clrMapOvr>
+</p:notes>
+</file>
+
 <file path=ppt/slideLayouts/slideLayout1.xml><?xml version="1.0" encoding="utf-8"?>
 <p:sldLayout xmlns:a="http://schemas.openxmlformats.org/drawingml/2006/main" xmlns:r="http://schemas.openxmlformats.org/officeDocument/2006/relationships" xmlns:p="http://schemas.openxmlformats.org/presentationml/2006/main" type="title" preserve="1">
   <p:cSld name="Title Slide">
@@ -2086,7 +2398,7 @@
           <a:p>
             <a:fld id="{10F872BA-6E60-4B52-998D-31FC3481EFDE}" type="datetimeFigureOut">
               <a:rPr lang="en-US" smtClean="0"/>
-              <a:t>1/13/2025</a:t>
+              <a:t>1/14/2025</a:t>
             </a:fld>
             <a:endParaRPr lang="en-US"/>
           </a:p>
@@ -2284,7 +2596,7 @@
           <a:p>
             <a:fld id="{10F872BA-6E60-4B52-998D-31FC3481EFDE}" type="datetimeFigureOut">
               <a:rPr lang="en-US" smtClean="0"/>
-              <a:t>1/13/2025</a:t>
+              <a:t>1/14/2025</a:t>
             </a:fld>
             <a:endParaRPr lang="en-US"/>
           </a:p>
@@ -2492,7 +2804,7 @@
           <a:p>
             <a:fld id="{10F872BA-6E60-4B52-998D-31FC3481EFDE}" type="datetimeFigureOut">
               <a:rPr lang="en-US" smtClean="0"/>
-              <a:t>1/13/2025</a:t>
+              <a:t>1/14/2025</a:t>
             </a:fld>
             <a:endParaRPr lang="en-US"/>
           </a:p>
@@ -2690,7 +3002,7 @@
           <a:p>
             <a:fld id="{10F872BA-6E60-4B52-998D-31FC3481EFDE}" type="datetimeFigureOut">
               <a:rPr lang="en-US" smtClean="0"/>
-              <a:t>1/13/2025</a:t>
+              <a:t>1/14/2025</a:t>
             </a:fld>
             <a:endParaRPr lang="en-US"/>
           </a:p>
@@ -2965,7 +3277,7 @@
           <a:p>
             <a:fld id="{10F872BA-6E60-4B52-998D-31FC3481EFDE}" type="datetimeFigureOut">
               <a:rPr lang="en-US" smtClean="0"/>
-              <a:t>1/13/2025</a:t>
+              <a:t>1/14/2025</a:t>
             </a:fld>
             <a:endParaRPr lang="en-US"/>
           </a:p>
@@ -3230,7 +3542,7 @@
           <a:p>
             <a:fld id="{10F872BA-6E60-4B52-998D-31FC3481EFDE}" type="datetimeFigureOut">
               <a:rPr lang="en-US" smtClean="0"/>
-              <a:t>1/13/2025</a:t>
+              <a:t>1/14/2025</a:t>
             </a:fld>
             <a:endParaRPr lang="en-US"/>
           </a:p>
@@ -3642,7 +3954,7 @@
           <a:p>
             <a:fld id="{10F872BA-6E60-4B52-998D-31FC3481EFDE}" type="datetimeFigureOut">
               <a:rPr lang="en-US" smtClean="0"/>
-              <a:t>1/13/2025</a:t>
+              <a:t>1/14/2025</a:t>
             </a:fld>
             <a:endParaRPr lang="en-US"/>
           </a:p>
@@ -3783,7 +4095,7 @@
           <a:p>
             <a:fld id="{10F872BA-6E60-4B52-998D-31FC3481EFDE}" type="datetimeFigureOut">
               <a:rPr lang="en-US" smtClean="0"/>
-              <a:t>1/13/2025</a:t>
+              <a:t>1/14/2025</a:t>
             </a:fld>
             <a:endParaRPr lang="en-US"/>
           </a:p>
@@ -3896,7 +4208,7 @@
           <a:p>
             <a:fld id="{10F872BA-6E60-4B52-998D-31FC3481EFDE}" type="datetimeFigureOut">
               <a:rPr lang="en-US" smtClean="0"/>
-              <a:t>1/13/2025</a:t>
+              <a:t>1/14/2025</a:t>
             </a:fld>
             <a:endParaRPr lang="en-US"/>
           </a:p>
@@ -4207,7 +4519,7 @@
           <a:p>
             <a:fld id="{10F872BA-6E60-4B52-998D-31FC3481EFDE}" type="datetimeFigureOut">
               <a:rPr lang="en-US" smtClean="0"/>
-              <a:t>1/13/2025</a:t>
+              <a:t>1/14/2025</a:t>
             </a:fld>
             <a:endParaRPr lang="en-US"/>
           </a:p>
@@ -4495,7 +4807,7 @@
           <a:p>
             <a:fld id="{10F872BA-6E60-4B52-998D-31FC3481EFDE}" type="datetimeFigureOut">
               <a:rPr lang="en-US" smtClean="0"/>
-              <a:t>1/13/2025</a:t>
+              <a:t>1/14/2025</a:t>
             </a:fld>
             <a:endParaRPr lang="en-US"/>
           </a:p>
@@ -4736,7 +5048,7 @@
           <a:p>
             <a:fld id="{10F872BA-6E60-4B52-998D-31FC3481EFDE}" type="datetimeFigureOut">
               <a:rPr lang="en-US" smtClean="0"/>
-              <a:t>1/13/2025</a:t>
+              <a:t>1/14/2025</a:t>
             </a:fld>
             <a:endParaRPr lang="en-US"/>
           </a:p>
@@ -5247,6 +5559,366 @@
     <p:extLst>
       <p:ext uri="{BB962C8B-B14F-4D97-AF65-F5344CB8AC3E}">
         <p14:creationId xmlns:p14="http://schemas.microsoft.com/office/powerpoint/2010/main" val="2507615202"/>
+      </p:ext>
+    </p:extLst>
+  </p:cSld>
+  <p:clrMapOvr>
+    <a:masterClrMapping/>
+  </p:clrMapOvr>
+</p:sld>
+</file>
+
+<file path=ppt/slides/slide3.xml><?xml version="1.0" encoding="utf-8"?>
+<p:sld xmlns:a="http://schemas.openxmlformats.org/drawingml/2006/main" xmlns:r="http://schemas.openxmlformats.org/officeDocument/2006/relationships" xmlns:p="http://schemas.openxmlformats.org/presentationml/2006/main">
+  <p:cSld>
+    <p:spTree>
+      <p:nvGrpSpPr>
+        <p:cNvPr id="1" name=""/>
+        <p:cNvGrpSpPr/>
+        <p:nvPr/>
+      </p:nvGrpSpPr>
+      <p:grpSpPr>
+        <a:xfrm>
+          <a:off x="0" y="0"/>
+          <a:ext cx="0" cy="0"/>
+          <a:chOff x="0" y="0"/>
+          <a:chExt cx="0" cy="0"/>
+        </a:xfrm>
+      </p:grpSpPr>
+      <p:pic>
+        <p:nvPicPr>
+          <p:cNvPr id="5" name="Picture 4">
+            <a:extLst>
+              <a:ext uri="{FF2B5EF4-FFF2-40B4-BE49-F238E27FC236}">
+                <a16:creationId xmlns:a16="http://schemas.microsoft.com/office/drawing/2014/main" id="{9FC7C81F-D790-9909-B81F-D7B705AFC19B}"/>
+              </a:ext>
+            </a:extLst>
+          </p:cNvPr>
+          <p:cNvPicPr>
+            <a:picLocks noChangeAspect="1"/>
+          </p:cNvPicPr>
+          <p:nvPr/>
+        </p:nvPicPr>
+        <p:blipFill>
+          <a:blip r:embed="rId2"/>
+          <a:stretch>
+            <a:fillRect/>
+          </a:stretch>
+        </p:blipFill>
+        <p:spPr>
+          <a:xfrm>
+            <a:off x="240212" y="140864"/>
+            <a:ext cx="11870372" cy="6524096"/>
+          </a:xfrm>
+          <a:prstGeom prst="rect">
+            <a:avLst/>
+          </a:prstGeom>
+        </p:spPr>
+      </p:pic>
+    </p:spTree>
+    <p:extLst>
+      <p:ext uri="{BB962C8B-B14F-4D97-AF65-F5344CB8AC3E}">
+        <p14:creationId xmlns:p14="http://schemas.microsoft.com/office/powerpoint/2010/main" val="3234742940"/>
+      </p:ext>
+    </p:extLst>
+  </p:cSld>
+  <p:clrMapOvr>
+    <a:masterClrMapping/>
+  </p:clrMapOvr>
+</p:sld>
+</file>
+
+<file path=ppt/slides/slide4.xml><?xml version="1.0" encoding="utf-8"?>
+<p:sld xmlns:a="http://schemas.openxmlformats.org/drawingml/2006/main" xmlns:r="http://schemas.openxmlformats.org/officeDocument/2006/relationships" xmlns:p="http://schemas.openxmlformats.org/presentationml/2006/main">
+  <p:cSld>
+    <p:spTree>
+      <p:nvGrpSpPr>
+        <p:cNvPr id="1" name=""/>
+        <p:cNvGrpSpPr/>
+        <p:nvPr/>
+      </p:nvGrpSpPr>
+      <p:grpSpPr>
+        <a:xfrm>
+          <a:off x="0" y="0"/>
+          <a:ext cx="0" cy="0"/>
+          <a:chOff x="0" y="0"/>
+          <a:chExt cx="0" cy="0"/>
+        </a:xfrm>
+      </p:grpSpPr>
+      <p:pic>
+        <p:nvPicPr>
+          <p:cNvPr id="5" name="Picture 4">
+            <a:extLst>
+              <a:ext uri="{FF2B5EF4-FFF2-40B4-BE49-F238E27FC236}">
+                <a16:creationId xmlns:a16="http://schemas.microsoft.com/office/drawing/2014/main" id="{23641A84-2319-51F5-B547-BA8F8CDE9CE2}"/>
+              </a:ext>
+            </a:extLst>
+          </p:cNvPr>
+          <p:cNvPicPr>
+            <a:picLocks noChangeAspect="1"/>
+          </p:cNvPicPr>
+          <p:nvPr/>
+        </p:nvPicPr>
+        <p:blipFill>
+          <a:blip r:embed="rId2"/>
+          <a:stretch>
+            <a:fillRect/>
+          </a:stretch>
+        </p:blipFill>
+        <p:spPr>
+          <a:xfrm>
+            <a:off x="599308" y="513943"/>
+            <a:ext cx="10993384" cy="5830114"/>
+          </a:xfrm>
+          <a:prstGeom prst="rect">
+            <a:avLst/>
+          </a:prstGeom>
+        </p:spPr>
+      </p:pic>
+    </p:spTree>
+    <p:extLst>
+      <p:ext uri="{BB962C8B-B14F-4D97-AF65-F5344CB8AC3E}">
+        <p14:creationId xmlns:p14="http://schemas.microsoft.com/office/powerpoint/2010/main" val="502647672"/>
+      </p:ext>
+    </p:extLst>
+  </p:cSld>
+  <p:clrMapOvr>
+    <a:masterClrMapping/>
+  </p:clrMapOvr>
+</p:sld>
+</file>
+
+<file path=ppt/slides/slide5.xml><?xml version="1.0" encoding="utf-8"?>
+<p:sld xmlns:a="http://schemas.openxmlformats.org/drawingml/2006/main" xmlns:r="http://schemas.openxmlformats.org/officeDocument/2006/relationships" xmlns:p="http://schemas.openxmlformats.org/presentationml/2006/main">
+  <p:cSld>
+    <p:spTree>
+      <p:nvGrpSpPr>
+        <p:cNvPr id="1" name=""/>
+        <p:cNvGrpSpPr/>
+        <p:nvPr/>
+      </p:nvGrpSpPr>
+      <p:grpSpPr>
+        <a:xfrm>
+          <a:off x="0" y="0"/>
+          <a:ext cx="0" cy="0"/>
+          <a:chOff x="0" y="0"/>
+          <a:chExt cx="0" cy="0"/>
+        </a:xfrm>
+      </p:grpSpPr>
+      <p:pic>
+        <p:nvPicPr>
+          <p:cNvPr id="5" name="Picture 4">
+            <a:extLst>
+              <a:ext uri="{FF2B5EF4-FFF2-40B4-BE49-F238E27FC236}">
+                <a16:creationId xmlns:a16="http://schemas.microsoft.com/office/drawing/2014/main" id="{42996515-23FB-BF5F-21AA-141825C85F20}"/>
+              </a:ext>
+            </a:extLst>
+          </p:cNvPr>
+          <p:cNvPicPr>
+            <a:picLocks noChangeAspect="1"/>
+          </p:cNvPicPr>
+          <p:nvPr/>
+        </p:nvPicPr>
+        <p:blipFill>
+          <a:blip r:embed="rId3"/>
+          <a:stretch>
+            <a:fillRect/>
+          </a:stretch>
+        </p:blipFill>
+        <p:spPr>
+          <a:xfrm>
+            <a:off x="209626" y="321733"/>
+            <a:ext cx="11933137" cy="6299200"/>
+          </a:xfrm>
+          <a:prstGeom prst="rect">
+            <a:avLst/>
+          </a:prstGeom>
+        </p:spPr>
+      </p:pic>
+    </p:spTree>
+    <p:extLst>
+      <p:ext uri="{BB962C8B-B14F-4D97-AF65-F5344CB8AC3E}">
+        <p14:creationId xmlns:p14="http://schemas.microsoft.com/office/powerpoint/2010/main" val="1874857250"/>
+      </p:ext>
+    </p:extLst>
+  </p:cSld>
+  <p:clrMapOvr>
+    <a:masterClrMapping/>
+  </p:clrMapOvr>
+</p:sld>
+</file>
+
+<file path=ppt/slides/slide6.xml><?xml version="1.0" encoding="utf-8"?>
+<p:sld xmlns:a="http://schemas.openxmlformats.org/drawingml/2006/main" xmlns:r="http://schemas.openxmlformats.org/officeDocument/2006/relationships" xmlns:p="http://schemas.openxmlformats.org/presentationml/2006/main">
+  <p:cSld>
+    <p:spTree>
+      <p:nvGrpSpPr>
+        <p:cNvPr id="1" name=""/>
+        <p:cNvGrpSpPr/>
+        <p:nvPr/>
+      </p:nvGrpSpPr>
+      <p:grpSpPr>
+        <a:xfrm>
+          <a:off x="0" y="0"/>
+          <a:ext cx="0" cy="0"/>
+          <a:chOff x="0" y="0"/>
+          <a:chExt cx="0" cy="0"/>
+        </a:xfrm>
+      </p:grpSpPr>
+      <p:pic>
+        <p:nvPicPr>
+          <p:cNvPr id="5" name="Picture 4">
+            <a:extLst>
+              <a:ext uri="{FF2B5EF4-FFF2-40B4-BE49-F238E27FC236}">
+                <a16:creationId xmlns:a16="http://schemas.microsoft.com/office/drawing/2014/main" id="{C6B92A46-019E-A900-5C52-6618BFF552D1}"/>
+              </a:ext>
+            </a:extLst>
+          </p:cNvPr>
+          <p:cNvPicPr>
+            <a:picLocks noChangeAspect="1"/>
+          </p:cNvPicPr>
+          <p:nvPr/>
+        </p:nvPicPr>
+        <p:blipFill>
+          <a:blip r:embed="rId3"/>
+          <a:stretch>
+            <a:fillRect/>
+          </a:stretch>
+        </p:blipFill>
+        <p:spPr>
+          <a:xfrm>
+            <a:off x="604071" y="385337"/>
+            <a:ext cx="10983858" cy="6087325"/>
+          </a:xfrm>
+          <a:prstGeom prst="rect">
+            <a:avLst/>
+          </a:prstGeom>
+        </p:spPr>
+      </p:pic>
+    </p:spTree>
+    <p:extLst>
+      <p:ext uri="{BB962C8B-B14F-4D97-AF65-F5344CB8AC3E}">
+        <p14:creationId xmlns:p14="http://schemas.microsoft.com/office/powerpoint/2010/main" val="2814065222"/>
+      </p:ext>
+    </p:extLst>
+  </p:cSld>
+  <p:clrMapOvr>
+    <a:masterClrMapping/>
+  </p:clrMapOvr>
+</p:sld>
+</file>
+
+<file path=ppt/slides/slide7.xml><?xml version="1.0" encoding="utf-8"?>
+<p:sld xmlns:a="http://schemas.openxmlformats.org/drawingml/2006/main" xmlns:r="http://schemas.openxmlformats.org/officeDocument/2006/relationships" xmlns:p="http://schemas.openxmlformats.org/presentationml/2006/main">
+  <p:cSld>
+    <p:spTree>
+      <p:nvGrpSpPr>
+        <p:cNvPr id="1" name=""/>
+        <p:cNvGrpSpPr/>
+        <p:nvPr/>
+      </p:nvGrpSpPr>
+      <p:grpSpPr>
+        <a:xfrm>
+          <a:off x="0" y="0"/>
+          <a:ext cx="0" cy="0"/>
+          <a:chOff x="0" y="0"/>
+          <a:chExt cx="0" cy="0"/>
+        </a:xfrm>
+      </p:grpSpPr>
+      <p:pic>
+        <p:nvPicPr>
+          <p:cNvPr id="5" name="Picture 4">
+            <a:extLst>
+              <a:ext uri="{FF2B5EF4-FFF2-40B4-BE49-F238E27FC236}">
+                <a16:creationId xmlns:a16="http://schemas.microsoft.com/office/drawing/2014/main" id="{53DE9A97-EA53-754A-B349-7A7F7E627646}"/>
+              </a:ext>
+            </a:extLst>
+          </p:cNvPr>
+          <p:cNvPicPr>
+            <a:picLocks noChangeAspect="1"/>
+          </p:cNvPicPr>
+          <p:nvPr/>
+        </p:nvPicPr>
+        <p:blipFill>
+          <a:blip r:embed="rId3"/>
+          <a:stretch>
+            <a:fillRect/>
+          </a:stretch>
+        </p:blipFill>
+        <p:spPr>
+          <a:xfrm>
+            <a:off x="93348" y="314960"/>
+            <a:ext cx="12005304" cy="6228080"/>
+          </a:xfrm>
+          <a:prstGeom prst="rect">
+            <a:avLst/>
+          </a:prstGeom>
+        </p:spPr>
+      </p:pic>
+    </p:spTree>
+    <p:extLst>
+      <p:ext uri="{BB962C8B-B14F-4D97-AF65-F5344CB8AC3E}">
+        <p14:creationId xmlns:p14="http://schemas.microsoft.com/office/powerpoint/2010/main" val="3411026189"/>
+      </p:ext>
+    </p:extLst>
+  </p:cSld>
+  <p:clrMapOvr>
+    <a:masterClrMapping/>
+  </p:clrMapOvr>
+</p:sld>
+</file>
+
+<file path=ppt/slides/slide8.xml><?xml version="1.0" encoding="utf-8"?>
+<p:sld xmlns:a="http://schemas.openxmlformats.org/drawingml/2006/main" xmlns:r="http://schemas.openxmlformats.org/officeDocument/2006/relationships" xmlns:p="http://schemas.openxmlformats.org/presentationml/2006/main">
+  <p:cSld>
+    <p:spTree>
+      <p:nvGrpSpPr>
+        <p:cNvPr id="1" name=""/>
+        <p:cNvGrpSpPr/>
+        <p:nvPr/>
+      </p:nvGrpSpPr>
+      <p:grpSpPr>
+        <a:xfrm>
+          <a:off x="0" y="0"/>
+          <a:ext cx="0" cy="0"/>
+          <a:chOff x="0" y="0"/>
+          <a:chExt cx="0" cy="0"/>
+        </a:xfrm>
+      </p:grpSpPr>
+      <p:pic>
+        <p:nvPicPr>
+          <p:cNvPr id="5" name="Picture 4">
+            <a:extLst>
+              <a:ext uri="{FF2B5EF4-FFF2-40B4-BE49-F238E27FC236}">
+                <a16:creationId xmlns:a16="http://schemas.microsoft.com/office/drawing/2014/main" id="{B8E1197F-1494-0A66-F2B8-9A28A3A682F1}"/>
+              </a:ext>
+            </a:extLst>
+          </p:cNvPr>
+          <p:cNvPicPr>
+            <a:picLocks noChangeAspect="1"/>
+          </p:cNvPicPr>
+          <p:nvPr/>
+        </p:nvPicPr>
+        <p:blipFill>
+          <a:blip r:embed="rId2"/>
+          <a:stretch>
+            <a:fillRect/>
+          </a:stretch>
+        </p:blipFill>
+        <p:spPr>
+          <a:xfrm>
+            <a:off x="642176" y="599680"/>
+            <a:ext cx="10907647" cy="5658640"/>
+          </a:xfrm>
+          <a:prstGeom prst="rect">
+            <a:avLst/>
+          </a:prstGeom>
+        </p:spPr>
+      </p:pic>
+    </p:spTree>
+    <p:extLst>
+      <p:ext uri="{BB962C8B-B14F-4D97-AF65-F5344CB8AC3E}">
+        <p14:creationId xmlns:p14="http://schemas.microsoft.com/office/powerpoint/2010/main" val="2610550861"/>
       </p:ext>
     </p:extLst>
   </p:cSld>
